--- a/Documentação/Banner.pptx
+++ b/Documentação/Banner.pptx
@@ -273,7 +273,7 @@
             <a:fld id="{58345A11-A8EF-4F7E-8404-D460861D6377}" type="datetimeFigureOut">
               <a:rPr lang="pt-BR" smtClean="0"/>
               <a:pPr/>
-              <a:t>28/11/2019</a:t>
+              <a:t>02/12/2019</a:t>
             </a:fld>
             <a:endParaRPr lang="pt-BR" dirty="0"/>
           </a:p>
@@ -328,7 +328,7 @@
             <a:fld id="{7559098A-D04A-42FA-A9EE-5AA860E33838}" type="slidenum">
               <a:rPr lang="pt-BR" smtClean="0"/>
               <a:pPr/>
-              <a:t>‹#›</a:t>
+              <a:t>‹nº›</a:t>
             </a:fld>
             <a:endParaRPr lang="pt-BR" dirty="0"/>
           </a:p>
@@ -475,7 +475,7 @@
             <a:fld id="{58345A11-A8EF-4F7E-8404-D460861D6377}" type="datetimeFigureOut">
               <a:rPr lang="pt-BR" smtClean="0"/>
               <a:pPr/>
-              <a:t>28/11/2019</a:t>
+              <a:t>02/12/2019</a:t>
             </a:fld>
             <a:endParaRPr lang="pt-BR" dirty="0"/>
           </a:p>
@@ -530,7 +530,7 @@
             <a:fld id="{7559098A-D04A-42FA-A9EE-5AA860E33838}" type="slidenum">
               <a:rPr lang="pt-BR" smtClean="0"/>
               <a:pPr/>
-              <a:t>‹#›</a:t>
+              <a:t>‹nº›</a:t>
             </a:fld>
             <a:endParaRPr lang="pt-BR" dirty="0"/>
           </a:p>
@@ -687,7 +687,7 @@
             <a:fld id="{58345A11-A8EF-4F7E-8404-D460861D6377}" type="datetimeFigureOut">
               <a:rPr lang="pt-BR" smtClean="0"/>
               <a:pPr/>
-              <a:t>28/11/2019</a:t>
+              <a:t>02/12/2019</a:t>
             </a:fld>
             <a:endParaRPr lang="pt-BR" dirty="0"/>
           </a:p>
@@ -742,7 +742,7 @@
             <a:fld id="{7559098A-D04A-42FA-A9EE-5AA860E33838}" type="slidenum">
               <a:rPr lang="pt-BR" smtClean="0"/>
               <a:pPr/>
-              <a:t>‹#›</a:t>
+              <a:t>‹nº›</a:t>
             </a:fld>
             <a:endParaRPr lang="pt-BR" dirty="0"/>
           </a:p>
@@ -889,7 +889,7 @@
             <a:fld id="{58345A11-A8EF-4F7E-8404-D460861D6377}" type="datetimeFigureOut">
               <a:rPr lang="pt-BR" smtClean="0"/>
               <a:pPr/>
-              <a:t>28/11/2019</a:t>
+              <a:t>02/12/2019</a:t>
             </a:fld>
             <a:endParaRPr lang="pt-BR" dirty="0"/>
           </a:p>
@@ -944,7 +944,7 @@
             <a:fld id="{7559098A-D04A-42FA-A9EE-5AA860E33838}" type="slidenum">
               <a:rPr lang="pt-BR" smtClean="0"/>
               <a:pPr/>
-              <a:t>‹#›</a:t>
+              <a:t>‹nº›</a:t>
             </a:fld>
             <a:endParaRPr lang="pt-BR" dirty="0"/>
           </a:p>
@@ -1167,7 +1167,7 @@
             <a:fld id="{58345A11-A8EF-4F7E-8404-D460861D6377}" type="datetimeFigureOut">
               <a:rPr lang="pt-BR" smtClean="0"/>
               <a:pPr/>
-              <a:t>28/11/2019</a:t>
+              <a:t>02/12/2019</a:t>
             </a:fld>
             <a:endParaRPr lang="pt-BR" dirty="0"/>
           </a:p>
@@ -1222,7 +1222,7 @@
             <a:fld id="{7559098A-D04A-42FA-A9EE-5AA860E33838}" type="slidenum">
               <a:rPr lang="pt-BR" smtClean="0"/>
               <a:pPr/>
-              <a:t>‹#›</a:t>
+              <a:t>‹nº›</a:t>
             </a:fld>
             <a:endParaRPr lang="pt-BR" dirty="0"/>
           </a:p>
@@ -1437,7 +1437,7 @@
             <a:fld id="{58345A11-A8EF-4F7E-8404-D460861D6377}" type="datetimeFigureOut">
               <a:rPr lang="pt-BR" smtClean="0"/>
               <a:pPr/>
-              <a:t>28/11/2019</a:t>
+              <a:t>02/12/2019</a:t>
             </a:fld>
             <a:endParaRPr lang="pt-BR" dirty="0"/>
           </a:p>
@@ -1492,7 +1492,7 @@
             <a:fld id="{7559098A-D04A-42FA-A9EE-5AA860E33838}" type="slidenum">
               <a:rPr lang="pt-BR" smtClean="0"/>
               <a:pPr/>
-              <a:t>‹#›</a:t>
+              <a:t>‹nº›</a:t>
             </a:fld>
             <a:endParaRPr lang="pt-BR" dirty="0"/>
           </a:p>
@@ -1854,7 +1854,7 @@
             <a:fld id="{58345A11-A8EF-4F7E-8404-D460861D6377}" type="datetimeFigureOut">
               <a:rPr lang="pt-BR" smtClean="0"/>
               <a:pPr/>
-              <a:t>28/11/2019</a:t>
+              <a:t>02/12/2019</a:t>
             </a:fld>
             <a:endParaRPr lang="pt-BR" dirty="0"/>
           </a:p>
@@ -1909,7 +1909,7 @@
             <a:fld id="{7559098A-D04A-42FA-A9EE-5AA860E33838}" type="slidenum">
               <a:rPr lang="pt-BR" smtClean="0"/>
               <a:pPr/>
-              <a:t>‹#›</a:t>
+              <a:t>‹nº›</a:t>
             </a:fld>
             <a:endParaRPr lang="pt-BR" dirty="0"/>
           </a:p>
@@ -1998,7 +1998,7 @@
             <a:fld id="{58345A11-A8EF-4F7E-8404-D460861D6377}" type="datetimeFigureOut">
               <a:rPr lang="pt-BR" smtClean="0"/>
               <a:pPr/>
-              <a:t>28/11/2019</a:t>
+              <a:t>02/12/2019</a:t>
             </a:fld>
             <a:endParaRPr lang="pt-BR" dirty="0"/>
           </a:p>
@@ -2053,7 +2053,7 @@
             <a:fld id="{7559098A-D04A-42FA-A9EE-5AA860E33838}" type="slidenum">
               <a:rPr lang="pt-BR" smtClean="0"/>
               <a:pPr/>
-              <a:t>‹#›</a:t>
+              <a:t>‹nº›</a:t>
             </a:fld>
             <a:endParaRPr lang="pt-BR" dirty="0"/>
           </a:p>
@@ -2113,7 +2113,7 @@
             <a:fld id="{58345A11-A8EF-4F7E-8404-D460861D6377}" type="datetimeFigureOut">
               <a:rPr lang="pt-BR" smtClean="0"/>
               <a:pPr/>
-              <a:t>28/11/2019</a:t>
+              <a:t>02/12/2019</a:t>
             </a:fld>
             <a:endParaRPr lang="pt-BR" dirty="0"/>
           </a:p>
@@ -2168,7 +2168,7 @@
             <a:fld id="{7559098A-D04A-42FA-A9EE-5AA860E33838}" type="slidenum">
               <a:rPr lang="pt-BR" smtClean="0"/>
               <a:pPr/>
-              <a:t>‹#›</a:t>
+              <a:t>‹nº›</a:t>
             </a:fld>
             <a:endParaRPr lang="pt-BR" dirty="0"/>
           </a:p>
@@ -2428,7 +2428,7 @@
             <a:fld id="{58345A11-A8EF-4F7E-8404-D460861D6377}" type="datetimeFigureOut">
               <a:rPr lang="pt-BR" smtClean="0"/>
               <a:pPr/>
-              <a:t>28/11/2019</a:t>
+              <a:t>02/12/2019</a:t>
             </a:fld>
             <a:endParaRPr lang="pt-BR" dirty="0"/>
           </a:p>
@@ -2483,7 +2483,7 @@
             <a:fld id="{7559098A-D04A-42FA-A9EE-5AA860E33838}" type="slidenum">
               <a:rPr lang="pt-BR" smtClean="0"/>
               <a:pPr/>
-              <a:t>‹#›</a:t>
+              <a:t>‹nº›</a:t>
             </a:fld>
             <a:endParaRPr lang="pt-BR" dirty="0"/>
           </a:p>
@@ -2719,7 +2719,7 @@
             <a:fld id="{58345A11-A8EF-4F7E-8404-D460861D6377}" type="datetimeFigureOut">
               <a:rPr lang="pt-BR" smtClean="0"/>
               <a:pPr/>
-              <a:t>28/11/2019</a:t>
+              <a:t>02/12/2019</a:t>
             </a:fld>
             <a:endParaRPr lang="pt-BR" dirty="0"/>
           </a:p>
@@ -2774,7 +2774,7 @@
             <a:fld id="{7559098A-D04A-42FA-A9EE-5AA860E33838}" type="slidenum">
               <a:rPr lang="pt-BR" smtClean="0"/>
               <a:pPr/>
-              <a:t>‹#›</a:t>
+              <a:t>‹nº›</a:t>
             </a:fld>
             <a:endParaRPr lang="pt-BR" dirty="0"/>
           </a:p>
@@ -2964,7 +2964,7 @@
             <a:fld id="{58345A11-A8EF-4F7E-8404-D460861D6377}" type="datetimeFigureOut">
               <a:rPr lang="pt-BR" smtClean="0"/>
               <a:pPr/>
-              <a:t>28/11/2019</a:t>
+              <a:t>02/12/2019</a:t>
             </a:fld>
             <a:endParaRPr lang="pt-BR" dirty="0"/>
           </a:p>
@@ -3055,7 +3055,7 @@
             <a:fld id="{7559098A-D04A-42FA-A9EE-5AA860E33838}" type="slidenum">
               <a:rPr lang="pt-BR" smtClean="0"/>
               <a:pPr/>
-              <a:t>‹#›</a:t>
+              <a:t>‹nº›</a:t>
             </a:fld>
             <a:endParaRPr lang="pt-BR" dirty="0"/>
           </a:p>
@@ -3897,7 +3897,7 @@
               <a:t>Sistema, </a:t>
             </a:r>
             <a:r>
-              <a:rPr lang="en-US" sz="3000" dirty="0" err="1">
+              <a:rPr lang="pt-BR" sz="3000" dirty="0">
                 <a:latin typeface="Arial" panose="020B0604020202020204" pitchFamily="34" charset="0"/>
                 <a:cs typeface="Arial" panose="020B0604020202020204" pitchFamily="34" charset="0"/>
               </a:rPr>
@@ -4082,7 +4082,93 @@
           <p:nvPr/>
         </p:nvPicPr>
         <p:blipFill rotWithShape="1">
-          <a:blip r:embed="rId2" cstate="print"/>
+          <a:blip r:embed="rId2" cstate="print">
+            <a:extLst>
+              <a:ext uri="{BEBA8EAE-BF5A-486C-A8C5-ECC9F3942E4B}">
+                <a14:imgProps xmlns:a14="http://schemas.microsoft.com/office/drawing/2010/main">
+                  <a14:imgLayer r:embed="rId3">
+                    <a14:imgEffect>
+                      <a14:backgroundRemoval t="8951" b="92593" l="1915" r="97581">
+                        <a14:foregroundMark x1="18649" y1="25000" x2="18649" y2="25000"/>
+                        <a14:foregroundMark x1="64919" y1="29630" x2="64919" y2="29630"/>
+                        <a14:foregroundMark x1="74899" y1="29630" x2="74899" y2="29630"/>
+                        <a14:foregroundMark x1="60786" y1="68827" x2="60786" y2="68827"/>
+                        <a14:foregroundMark x1="56754" y1="72222" x2="56754" y2="72222"/>
+                        <a14:foregroundMark x1="60786" y1="72222" x2="60786" y2="72222"/>
+                        <a14:foregroundMark x1="27117" y1="63580" x2="27117" y2="63580"/>
+                        <a14:foregroundMark x1="6552" y1="62654" x2="3427" y2="86420"/>
+                        <a14:foregroundMark x1="3427" y1="86420" x2="14415" y2="90741"/>
+                        <a14:foregroundMark x1="14415" y1="90741" x2="23891" y2="81790"/>
+                        <a14:foregroundMark x1="23891" y1="81790" x2="13911" y2="70370"/>
+                        <a14:foregroundMark x1="13911" y1="70370" x2="17641" y2="77778"/>
+                        <a14:foregroundMark x1="5948" y1="93519" x2="5948" y2="67284"/>
+                        <a14:foregroundMark x1="5948" y1="67284" x2="15423" y2="62963"/>
+                        <a14:foregroundMark x1="15423" y1="62963" x2="30544" y2="64815"/>
+                        <a14:foregroundMark x1="30544" y1="64815" x2="40222" y2="64506"/>
+                        <a14:foregroundMark x1="40222" y1="64506" x2="84274" y2="71605"/>
+                        <a14:foregroundMark x1="84274" y1="71605" x2="94153" y2="66667"/>
+                        <a14:foregroundMark x1="94153" y1="66667" x2="90222" y2="92593"/>
+                        <a14:foregroundMark x1="90222" y1="92593" x2="5847" y2="91667"/>
+                        <a14:foregroundMark x1="93145" y1="63580" x2="94960" y2="89198"/>
+                        <a14:foregroundMark x1="94960" y1="89198" x2="93548" y2="63889"/>
+                        <a14:foregroundMark x1="93548" y1="63889" x2="93649" y2="63580"/>
+                        <a14:foregroundMark x1="97581" y1="62963" x2="97278" y2="74074"/>
+                        <a14:foregroundMark x1="2621" y1="89815" x2="2016" y2="91975"/>
+                        <a14:foregroundMark x1="21169" y1="29630" x2="21169" y2="29630"/>
+                        <a14:foregroundMark x1="22641" y1="29630" x2="22883" y2="32099"/>
+                        <a14:foregroundMark x1="20464" y1="7407" x2="22641" y2="29630"/>
+                        <a14:foregroundMark x1="24335" y1="29630" x2="24655" y2="29085"/>
+                        <a14:foregroundMark x1="24154" y1="29938" x2="24335" y2="29630"/>
+                        <a14:foregroundMark x1="22883" y1="32099" x2="24154" y2="29938"/>
+                        <a14:foregroundMark x1="31427" y1="22681" x2="33165" y2="43210"/>
+                        <a14:foregroundMark x1="33165" y1="43210" x2="23992" y2="52469"/>
+                        <a14:foregroundMark x1="23992" y1="52469" x2="15927" y2="37654"/>
+                        <a14:foregroundMark x1="15927" y1="37654" x2="20363" y2="8951"/>
+                        <a14:foregroundMark x1="46069" y1="20988" x2="46069" y2="20988"/>
+                        <a14:foregroundMark x1="26815" y1="11420" x2="24597" y2="25926"/>
+                        <a14:foregroundMark x1="21069" y1="51235" x2="21069" y2="51235"/>
+                        <a14:foregroundMark x1="29435" y1="50926" x2="29435" y2="50926"/>
+                        <a14:foregroundMark x1="32359" y1="48148" x2="32359" y2="48148"/>
+                        <a14:foregroundMark x1="32964" y1="46605" x2="32964" y2="46605"/>
+                        <a14:foregroundMark x1="34778" y1="41358" x2="34778" y2="41358"/>
+                        <a14:foregroundMark x1="35282" y1="34568" x2="35282" y2="34568"/>
+                        <a14:foregroundMark x1="36391" y1="30864" x2="36391" y2="30864"/>
+                        <a14:foregroundMark x1="37500" y1="22531" x2="37500" y2="22531"/>
+                        <a14:foregroundMark x1="19960" y1="50926" x2="19960" y2="50926"/>
+                        <a14:foregroundMark x1="18851" y1="50000" x2="18851" y2="50000"/>
+                        <a14:foregroundMark x1="18448" y1="49074" x2="18448" y2="49074"/>
+                        <a14:foregroundMark x1="45262" y1="37654" x2="45262" y2="37654"/>
+                        <a14:foregroundMark x1="42843" y1="45062" x2="42843" y2="45062"/>
+                        <a14:foregroundMark x1="41633" y1="47840" x2="41633" y2="47840"/>
+                        <a14:foregroundMark x1="52419" y1="50309" x2="52419" y2="50309"/>
+                        <a14:foregroundMark x1="55040" y1="48457" x2="55040" y2="48457"/>
+                        <a14:foregroundMark x1="56250" y1="45679" x2="56250" y2="45679"/>
+                        <a14:foregroundMark x1="57460" y1="40432" x2="57460" y2="40432"/>
+                        <a14:foregroundMark x1="58770" y1="32099" x2="58770" y2="32099"/>
+                        <a14:foregroundMark x1="50000" y1="11111" x2="50000" y2="11111"/>
+                        <a14:foregroundMark x1="50907" y1="16667" x2="50907" y2="16667"/>
+                        <a14:foregroundMark x1="68750" y1="26235" x2="68750" y2="26235"/>
+                        <a14:foregroundMark x1="70464" y1="15741" x2="70464" y2="15741"/>
+                        <a14:foregroundMark x1="65726" y1="41358" x2="65726" y2="41358"/>
+                        <a14:foregroundMark x1="70968" y1="50309" x2="70968" y2="50309"/>
+                        <a14:foregroundMark x1="86794" y1="37654" x2="86794" y2="37654"/>
+                        <a14:foregroundMark x1="88810" y1="34259" x2="88810" y2="34259"/>
+                        <a14:foregroundMark x1="81552" y1="16358" x2="81552" y2="16358"/>
+                        <a14:foregroundMark x1="79637" y1="17284" x2="79637" y2="17284"/>
+                        <a14:backgroundMark x1="27722" y1="18210" x2="26915" y2="28086"/>
+                        <a14:backgroundMark x1="26109" y1="25309" x2="25907" y2="29630"/>
+                        <a14:backgroundMark x1="30141" y1="19136" x2="29335" y2="22840"/>
+                        <a14:backgroundMark x1="31048" y1="16049" x2="28528" y2="21296"/>
+                        <a14:backgroundMark x1="25202" y1="28704" x2="24698" y2="29012"/>
+                        <a14:backgroundMark x1="24395" y1="29630" x2="24395" y2="29630"/>
+                        <a14:backgroundMark x1="24698" y1="29938" x2="24698" y2="29938"/>
+                      </a14:backgroundRemoval>
+                    </a14:imgEffect>
+                  </a14:imgLayer>
+                </a14:imgProps>
+              </a:ext>
+            </a:extLst>
+          </a:blip>
           <a:srcRect r="359"/>
           <a:stretch/>
         </p:blipFill>
@@ -4114,7 +4200,7 @@
           <p:nvPr/>
         </p:nvPicPr>
         <p:blipFill>
-          <a:blip r:embed="rId3"/>
+          <a:blip r:embed="rId4"/>
           <a:stretch>
             <a:fillRect/>
           </a:stretch>
@@ -4173,7 +4259,7 @@
           <p:nvPr/>
         </p:nvPicPr>
         <p:blipFill>
-          <a:blip r:embed="rId4"/>
+          <a:blip r:embed="rId5"/>
           <a:stretch>
             <a:fillRect/>
           </a:stretch>
@@ -4219,65 +4305,6 @@
       </p:pic>
       <p:pic>
         <p:nvPicPr>
-          <p:cNvPr id="8" name="Imagem 7">
-            <a:extLst>
-              <a:ext uri="{FF2B5EF4-FFF2-40B4-BE49-F238E27FC236}">
-                <a16:creationId xmlns:a16="http://schemas.microsoft.com/office/drawing/2014/main" id="{05EF0CDF-F0C6-47A8-9049-0B6C2E37E488}"/>
-              </a:ext>
-            </a:extLst>
-          </p:cNvPr>
-          <p:cNvPicPr>
-            <a:picLocks noChangeAspect="1"/>
-          </p:cNvPicPr>
-          <p:nvPr/>
-        </p:nvPicPr>
-        <p:blipFill>
-          <a:blip r:embed="rId5"/>
-          <a:stretch>
-            <a:fillRect/>
-          </a:stretch>
-        </p:blipFill>
-        <p:spPr>
-          <a:xfrm>
-            <a:off x="17240019" y="16742605"/>
-            <a:ext cx="10191334" cy="5724662"/>
-          </a:xfrm>
-          <a:prstGeom prst="rect">
-            <a:avLst/>
-          </a:prstGeom>
-          <a:solidFill>
-            <a:srgbClr val="FFFFFF">
-              <a:shade val="85000"/>
-            </a:srgbClr>
-          </a:solidFill>
-          <a:ln w="190500" cap="rnd">
-            <a:solidFill>
-              <a:srgbClr val="FFFFFF"/>
-            </a:solidFill>
-          </a:ln>
-          <a:effectLst>
-            <a:outerShdw blurRad="50800" dist="190500" dir="21540000" algn="t" rotWithShape="0">
-              <a:prstClr val="black">
-                <a:alpha val="21000"/>
-              </a:prstClr>
-            </a:outerShdw>
-          </a:effectLst>
-          <a:scene3d>
-            <a:camera prst="perspectiveContrastingLeftFacing">
-              <a:rot lat="540000" lon="2100000" rev="0"/>
-            </a:camera>
-            <a:lightRig rig="soft" dir="t"/>
-          </a:scene3d>
-          <a:sp3d contourW="12700" prstMaterial="matte">
-            <a:bevelT w="63500" h="50800"/>
-            <a:contourClr>
-              <a:srgbClr val="C0C0C0"/>
-            </a:contourClr>
-          </a:sp3d>
-        </p:spPr>
-      </p:pic>
-      <p:pic>
-        <p:nvPicPr>
           <p:cNvPr id="32" name="Imagem 31">
             <a:extLst>
               <a:ext uri="{FF2B5EF4-FFF2-40B4-BE49-F238E27FC236}">
@@ -4299,7 +4326,7 @@
         <p:spPr>
           <a:xfrm>
             <a:off x="16642156" y="23673968"/>
-            <a:ext cx="8710131" cy="4899448"/>
+            <a:ext cx="9472002" cy="5328000"/>
           </a:xfrm>
           <a:prstGeom prst="rect">
             <a:avLst/>
@@ -4421,7 +4448,7 @@
         </p:blipFill>
         <p:spPr bwMode="auto">
           <a:xfrm>
-            <a:off x="25202211" y="30107211"/>
+            <a:off x="25202211" y="31021611"/>
             <a:ext cx="591743" cy="597323"/>
           </a:xfrm>
           <a:prstGeom prst="rect">
@@ -4518,7 +4545,7 @@
         </p:blipFill>
         <p:spPr>
           <a:xfrm>
-            <a:off x="25311364" y="30720321"/>
+            <a:off x="25311364" y="31634721"/>
             <a:ext cx="2119989" cy="1283531"/>
           </a:xfrm>
           <a:prstGeom prst="rect">
@@ -4543,7 +4570,7 @@
         </p:blipFill>
         <p:spPr bwMode="auto">
           <a:xfrm>
-            <a:off x="25837346" y="30079950"/>
+            <a:off x="25837346" y="30994350"/>
             <a:ext cx="718354" cy="663574"/>
           </a:xfrm>
           <a:prstGeom prst="rect">
@@ -4569,7 +4596,7 @@
         </p:blipFill>
         <p:spPr bwMode="auto">
           <a:xfrm>
-            <a:off x="26616025" y="30072013"/>
+            <a:off x="26616025" y="30986413"/>
             <a:ext cx="625475" cy="600947"/>
           </a:xfrm>
           <a:prstGeom prst="rect">
@@ -4580,39 +4607,6 @@
       </p:pic>
       <p:pic>
         <p:nvPicPr>
-          <p:cNvPr id="24" name="Picture 8"/>
-          <p:cNvPicPr/>
-          <p:nvPr/>
-        </p:nvPicPr>
-        <p:blipFill>
-          <a:blip r:embed="rId13">
-            <a:extLst>
-              <a:ext uri="{28A0092B-C50C-407E-A947-70E740481C1C}">
-                <a14:useLocalDpi xmlns:a14="http://schemas.microsoft.com/office/drawing/2010/main" val="0"/>
-              </a:ext>
-            </a:extLst>
-          </a:blip>
-          <a:srcRect/>
-          <a:stretch>
-            <a:fillRect/>
-          </a:stretch>
-        </p:blipFill>
-        <p:spPr bwMode="auto">
-          <a:xfrm>
-            <a:off x="1418468" y="17988186"/>
-            <a:ext cx="12003531" cy="9014795"/>
-          </a:xfrm>
-          <a:prstGeom prst="rect">
-            <a:avLst/>
-          </a:prstGeom>
-          <a:noFill/>
-          <a:ln>
-            <a:noFill/>
-          </a:ln>
-        </p:spPr>
-      </p:pic>
-      <p:pic>
-        <p:nvPicPr>
           <p:cNvPr id="12" name="Picture 11">
             <a:extLst>
               <a:ext uri="{FF2B5EF4-FFF2-40B4-BE49-F238E27FC236}">
@@ -4626,7 +4620,7 @@
           <p:nvPr/>
         </p:nvPicPr>
         <p:blipFill>
-          <a:blip r:embed="rId14">
+          <a:blip r:embed="rId13">
             <a:extLst>
               <a:ext uri="{28A0092B-C50C-407E-A947-70E740481C1C}">
                 <a14:useLocalDpi xmlns:a14="http://schemas.microsoft.com/office/drawing/2010/main" val="0"/>
@@ -4639,7 +4633,7 @@
         </p:blipFill>
         <p:spPr>
           <a:xfrm>
-            <a:off x="25098324" y="32019639"/>
+            <a:off x="25098324" y="32934039"/>
             <a:ext cx="946604" cy="946604"/>
           </a:xfrm>
           <a:prstGeom prst="rect">
@@ -4662,13 +4656,13 @@
           <p:nvPr/>
         </p:nvPicPr>
         <p:blipFill>
-          <a:blip r:embed="rId15">
+          <a:blip r:embed="rId14">
             <a:extLst>
               <a:ext uri="{28A0092B-C50C-407E-A947-70E740481C1C}">
                 <a14:useLocalDpi xmlns:a14="http://schemas.microsoft.com/office/drawing/2010/main" val="0"/>
               </a:ext>
               <a:ext uri="{96DAC541-7B7A-43D3-8B79-37D633B846F1}">
-                <asvg:svgBlip xmlns:asvg="http://schemas.microsoft.com/office/drawing/2016/SVG/main" r:embed="rId16"/>
+                <asvg:svgBlip xmlns:asvg="http://schemas.microsoft.com/office/drawing/2016/SVG/main" r:embed="rId15"/>
               </a:ext>
             </a:extLst>
           </a:blip>
@@ -4678,12 +4672,120 @@
         </p:blipFill>
         <p:spPr>
           <a:xfrm>
-            <a:off x="26143688" y="31854401"/>
+            <a:off x="26143688" y="32768801"/>
             <a:ext cx="1287665" cy="1040949"/>
           </a:xfrm>
           <a:prstGeom prst="rect">
             <a:avLst/>
           </a:prstGeom>
+        </p:spPr>
+      </p:pic>
+      <p:pic>
+        <p:nvPicPr>
+          <p:cNvPr id="25" name="Picture 8">
+            <a:extLst>
+              <a:ext uri="{FF2B5EF4-FFF2-40B4-BE49-F238E27FC236}">
+                <a16:creationId xmlns:a16="http://schemas.microsoft.com/office/drawing/2014/main" id="{C9FC3E0F-61AE-424C-9691-5D732AF890C1}"/>
+              </a:ext>
+            </a:extLst>
+          </p:cNvPr>
+          <p:cNvPicPr/>
+          <p:nvPr/>
+        </p:nvPicPr>
+        <p:blipFill>
+          <a:blip r:embed="rId16">
+            <a:extLst>
+              <a:ext uri="{28A0092B-C50C-407E-A947-70E740481C1C}">
+                <a14:useLocalDpi xmlns:a14="http://schemas.microsoft.com/office/drawing/2010/main" val="0"/>
+              </a:ext>
+            </a:extLst>
+          </a:blip>
+          <a:srcRect/>
+          <a:stretch>
+            <a:fillRect/>
+          </a:stretch>
+        </p:blipFill>
+        <p:spPr bwMode="auto">
+          <a:xfrm>
+            <a:off x="1533866" y="18176868"/>
+            <a:ext cx="12239999" cy="8568000"/>
+          </a:xfrm>
+          <a:prstGeom prst="round2DiagRect">
+            <a:avLst>
+              <a:gd name="adj1" fmla="val 16667"/>
+              <a:gd name="adj2" fmla="val 0"/>
+            </a:avLst>
+          </a:prstGeom>
+          <a:ln w="88900" cap="sq">
+            <a:solidFill>
+              <a:srgbClr val="FFFFFF"/>
+            </a:solidFill>
+            <a:miter lim="800000"/>
+          </a:ln>
+          <a:effectLst>
+            <a:innerShdw blurRad="114300">
+              <a:prstClr val="black"/>
+            </a:innerShdw>
+          </a:effectLst>
+        </p:spPr>
+      </p:pic>
+      <p:pic>
+        <p:nvPicPr>
+          <p:cNvPr id="13" name="Imagem 12">
+            <a:extLst>
+              <a:ext uri="{FF2B5EF4-FFF2-40B4-BE49-F238E27FC236}">
+                <a16:creationId xmlns:a16="http://schemas.microsoft.com/office/drawing/2014/main" id="{ED4B0A4B-2997-4B8D-84D5-588442274E70}"/>
+              </a:ext>
+            </a:extLst>
+          </p:cNvPr>
+          <p:cNvPicPr>
+            <a:picLocks noChangeAspect="1"/>
+          </p:cNvPicPr>
+          <p:nvPr/>
+        </p:nvPicPr>
+        <p:blipFill>
+          <a:blip r:embed="rId17"/>
+          <a:stretch>
+            <a:fillRect/>
+          </a:stretch>
+        </p:blipFill>
+        <p:spPr>
+          <a:xfrm>
+            <a:off x="17319755" y="16666837"/>
+            <a:ext cx="9051603" cy="5328000"/>
+          </a:xfrm>
+          <a:prstGeom prst="rect">
+            <a:avLst/>
+          </a:prstGeom>
+          <a:solidFill>
+            <a:srgbClr val="FFFFFF">
+              <a:shade val="85000"/>
+            </a:srgbClr>
+          </a:solidFill>
+          <a:ln w="190500" cap="rnd">
+            <a:solidFill>
+              <a:srgbClr val="FFFFFF"/>
+            </a:solidFill>
+          </a:ln>
+          <a:effectLst>
+            <a:outerShdw blurRad="50800" dist="190500" dir="21540000" algn="t" rotWithShape="0">
+              <a:prstClr val="black">
+                <a:alpha val="21000"/>
+              </a:prstClr>
+            </a:outerShdw>
+          </a:effectLst>
+          <a:scene3d>
+            <a:camera prst="perspectiveContrastingLeftFacing">
+              <a:rot lat="540000" lon="2100000" rev="0"/>
+            </a:camera>
+            <a:lightRig rig="soft" dir="t"/>
+          </a:scene3d>
+          <a:sp3d contourW="12700" prstMaterial="matte">
+            <a:bevelT w="63500" h="50800"/>
+            <a:contourClr>
+              <a:srgbClr val="C0C0C0"/>
+            </a:contourClr>
+          </a:sp3d>
         </p:spPr>
       </p:pic>
     </p:spTree>
